--- a/android/animation/doc/slides.pptx
+++ b/android/animation/doc/slides.pptx
@@ -110,6 +110,11 @@
       </a:defRPr>
     </a:lvl9pPr>
   </p:defaultTextStyle>
+  <p:extLst>
+    <p:ext uri="{EFAFB233-063F-42B5-8137-9DF3F51BA10A}">
+      <p15:sldGuideLst xmlns:p15="http://schemas.microsoft.com/office/powerpoint/2012/main"/>
+    </p:ext>
+  </p:extLst>
 </p:presentation>
 </file>
 
@@ -195,7 +200,7 @@
           <a:p>
             <a:fld id="{1B4909D6-AD78-4FFC-A058-6255D013CB63}" type="datetimeFigureOut">
               <a:rPr lang="en-US" smtClean="0"/>
-              <a:t>7/30/2015</a:t>
+              <a:t>8/6/2015</a:t>
             </a:fld>
             <a:endParaRPr lang="en-US"/>
           </a:p>
@@ -3779,9 +3784,71 @@
           </a:p>
         </p:txBody>
       </p:sp>
+      <p:sp>
+        <p:nvSpPr>
+          <p:cNvPr id="9" name="TextBox 8"/>
+          <p:cNvSpPr txBox="1"/>
+          <p:nvPr/>
+        </p:nvSpPr>
+        <p:spPr>
+          <a:xfrm>
+            <a:off x="1828800" y="5317365"/>
+            <a:ext cx="2420983" cy="369332"/>
+          </a:xfrm>
+          <a:prstGeom prst="rect">
+            <a:avLst/>
+          </a:prstGeom>
+          <a:noFill/>
+        </p:spPr>
+        <p:txBody>
+          <a:bodyPr wrap="square" rtlCol="0">
+            <a:spAutoFit/>
+          </a:bodyPr>
+          <a:lstStyle/>
+          <a:p>
+            <a:pPr algn="ctr"/>
+            <a:r>
+              <a:rPr lang="en-US" dirty="0" smtClean="0"/>
+              <a:t>At start</a:t>
+            </a:r>
+            <a:endParaRPr lang="en-US" dirty="0"/>
+          </a:p>
+        </p:txBody>
+      </p:sp>
+      <p:sp>
+        <p:nvSpPr>
+          <p:cNvPr id="10" name="TextBox 9"/>
+          <p:cNvSpPr txBox="1"/>
+          <p:nvPr/>
+        </p:nvSpPr>
+        <p:spPr>
+          <a:xfrm>
+            <a:off x="6578688" y="5317365"/>
+            <a:ext cx="2351314" cy="369332"/>
+          </a:xfrm>
+          <a:prstGeom prst="rect">
+            <a:avLst/>
+          </a:prstGeom>
+          <a:noFill/>
+        </p:spPr>
+        <p:txBody>
+          <a:bodyPr wrap="square" rtlCol="0">
+            <a:spAutoFit/>
+          </a:bodyPr>
+          <a:lstStyle/>
+          <a:p>
+            <a:pPr algn="ctr"/>
+            <a:r>
+              <a:rPr lang="en-US" dirty="0" smtClean="0"/>
+              <a:t>Shortly after start</a:t>
+            </a:r>
+            <a:endParaRPr lang="en-US" dirty="0"/>
+          </a:p>
+        </p:txBody>
+      </p:sp>
       <p:pic>
         <p:nvPicPr>
-          <p:cNvPr id="7" name="Picture 6"/>
+          <p:cNvPr id="2" name="Picture 1"/>
           <p:cNvPicPr>
             <a:picLocks noChangeAspect="1"/>
           </p:cNvPicPr>
@@ -3801,8 +3868,8 @@
         </p:blipFill>
         <p:spPr>
           <a:xfrm>
-            <a:off x="1110478" y="365125"/>
-            <a:ext cx="3857625" cy="5190944"/>
+            <a:off x="1828800" y="565570"/>
+            <a:ext cx="2544642" cy="4523808"/>
           </a:xfrm>
           <a:prstGeom prst="rect">
             <a:avLst/>
@@ -3825,7 +3892,7 @@
       </p:pic>
       <p:pic>
         <p:nvPicPr>
-          <p:cNvPr id="8" name="Picture 7"/>
+          <p:cNvPr id="3" name="Picture 2"/>
           <p:cNvPicPr>
             <a:picLocks noChangeAspect="1"/>
           </p:cNvPicPr>
@@ -3845,8 +3912,8 @@
         </p:blipFill>
         <p:spPr>
           <a:xfrm>
-            <a:off x="6043757" y="360772"/>
-            <a:ext cx="3857625" cy="5195297"/>
+            <a:off x="6476162" y="565570"/>
+            <a:ext cx="2556366" cy="4544650"/>
           </a:xfrm>
           <a:prstGeom prst="rect">
             <a:avLst/>
@@ -3867,68 +3934,6 @@
           </a:fontRef>
         </p:style>
       </p:pic>
-      <p:sp>
-        <p:nvSpPr>
-          <p:cNvPr id="9" name="TextBox 8"/>
-          <p:cNvSpPr txBox="1"/>
-          <p:nvPr/>
-        </p:nvSpPr>
-        <p:spPr>
-          <a:xfrm>
-            <a:off x="1828800" y="5686697"/>
-            <a:ext cx="2420983" cy="369332"/>
-          </a:xfrm>
-          <a:prstGeom prst="rect">
-            <a:avLst/>
-          </a:prstGeom>
-          <a:noFill/>
-        </p:spPr>
-        <p:txBody>
-          <a:bodyPr wrap="square" rtlCol="0">
-            <a:spAutoFit/>
-          </a:bodyPr>
-          <a:lstStyle/>
-          <a:p>
-            <a:pPr algn="ctr"/>
-            <a:r>
-              <a:rPr lang="en-US" dirty="0" smtClean="0"/>
-              <a:t>At start</a:t>
-            </a:r>
-            <a:endParaRPr lang="en-US" dirty="0"/>
-          </a:p>
-        </p:txBody>
-      </p:sp>
-      <p:sp>
-        <p:nvSpPr>
-          <p:cNvPr id="10" name="TextBox 9"/>
-          <p:cNvSpPr txBox="1"/>
-          <p:nvPr/>
-        </p:nvSpPr>
-        <p:spPr>
-          <a:xfrm>
-            <a:off x="6796912" y="5686697"/>
-            <a:ext cx="2351314" cy="369332"/>
-          </a:xfrm>
-          <a:prstGeom prst="rect">
-            <a:avLst/>
-          </a:prstGeom>
-          <a:noFill/>
-        </p:spPr>
-        <p:txBody>
-          <a:bodyPr wrap="square" rtlCol="0">
-            <a:spAutoFit/>
-          </a:bodyPr>
-          <a:lstStyle/>
-          <a:p>
-            <a:pPr algn="ctr"/>
-            <a:r>
-              <a:rPr lang="en-US" dirty="0" smtClean="0"/>
-              <a:t>Shortly after start</a:t>
-            </a:r>
-            <a:endParaRPr lang="en-US" dirty="0"/>
-          </a:p>
-        </p:txBody>
-      </p:sp>
     </p:spTree>
     <p:extLst>
       <p:ext uri="{BB962C8B-B14F-4D97-AF65-F5344CB8AC3E}">
